--- a/slides/Visualizando Modelos 3D con Angular.pptx
+++ b/slides/Visualizando Modelos 3D con Angular.pptx
@@ -2,11 +2,12 @@
 <file path=ppt/presentation.xml><?xml version="1.0" encoding="utf-8"?>
 <p:presentation xmlns:a="http://schemas.openxmlformats.org/drawingml/2006/main" xmlns:r="http://schemas.openxmlformats.org/officeDocument/2006/relationships" xmlns:p="http://schemas.openxmlformats.org/presentationml/2006/main" saveSubsetFonts="1">
   <p:sldMasterIdLst>
-    <p:sldMasterId id="2147483648" r:id="rId1"/>
+    <p:sldMasterId id="2147483743" r:id="rId1"/>
   </p:sldMasterIdLst>
   <p:sldIdLst>
     <p:sldId id="256" r:id="rId2"/>
     <p:sldId id="257" r:id="rId3"/>
+    <p:sldId id="258" r:id="rId4"/>
   </p:sldIdLst>
   <p:sldSz cx="12192000" cy="6858000"/>
   <p:notesSz cx="6858000" cy="9144000"/>
@@ -127,7 +128,7 @@
       </p:grpSpPr>
       <p:sp>
         <p:nvSpPr>
-          <p:cNvPr id="2" name="Título 1"/>
+          <p:cNvPr id="2" name="Title 1"/>
           <p:cNvSpPr>
             <a:spLocks noGrp="1"/>
           </p:cNvSpPr>
@@ -153,13 +154,13 @@
               <a:rPr lang="es-ES" smtClean="0"/>
               <a:t>Haga clic para modificar el estilo de título del patrón</a:t>
             </a:r>
-            <a:endParaRPr lang="en-US"/>
-          </a:p>
-        </p:txBody>
-      </p:sp>
-      <p:sp>
-        <p:nvSpPr>
-          <p:cNvPr id="3" name="Subtítulo 2"/>
+            <a:endParaRPr lang="en-US" dirty="0"/>
+          </a:p>
+        </p:txBody>
+      </p:sp>
+      <p:sp>
+        <p:nvSpPr>
+          <p:cNvPr id="3" name="Subtitle 2"/>
           <p:cNvSpPr>
             <a:spLocks noGrp="1"/>
           </p:cNvSpPr>
@@ -218,13 +219,13 @@
               <a:rPr lang="es-ES" smtClean="0"/>
               <a:t>Haga clic para modificar el estilo de subtítulo del patrón</a:t>
             </a:r>
-            <a:endParaRPr lang="en-US"/>
-          </a:p>
-        </p:txBody>
-      </p:sp>
-      <p:sp>
-        <p:nvSpPr>
-          <p:cNvPr id="4" name="Marcador de fecha 3"/>
+            <a:endParaRPr lang="en-US" dirty="0"/>
+          </a:p>
+        </p:txBody>
+      </p:sp>
+      <p:sp>
+        <p:nvSpPr>
+          <p:cNvPr id="4" name="Date Placeholder 3"/>
           <p:cNvSpPr>
             <a:spLocks noGrp="1"/>
           </p:cNvSpPr>
@@ -247,7 +248,7 @@
       </p:sp>
       <p:sp>
         <p:nvSpPr>
-          <p:cNvPr id="5" name="Marcador de pie de página 4"/>
+          <p:cNvPr id="5" name="Footer Placeholder 4"/>
           <p:cNvSpPr>
             <a:spLocks noGrp="1"/>
           </p:cNvSpPr>
@@ -266,7 +267,7 @@
       </p:sp>
       <p:sp>
         <p:nvSpPr>
-          <p:cNvPr id="6" name="Marcador de número de diapositiva 5"/>
+          <p:cNvPr id="6" name="Slide Number Placeholder 5"/>
           <p:cNvSpPr>
             <a:spLocks noGrp="1"/>
           </p:cNvSpPr>
@@ -290,7 +291,7 @@
     </p:spTree>
     <p:extLst>
       <p:ext uri="{BB962C8B-B14F-4D97-AF65-F5344CB8AC3E}">
-        <p14:creationId xmlns:p14="http://schemas.microsoft.com/office/powerpoint/2010/main" val="2242274064"/>
+        <p14:creationId xmlns:p14="http://schemas.microsoft.com/office/powerpoint/2010/main" val="1367815320"/>
       </p:ext>
     </p:extLst>
   </p:cSld>
@@ -319,7 +320,7 @@
       </p:grpSpPr>
       <p:sp>
         <p:nvSpPr>
-          <p:cNvPr id="2" name="Título 1"/>
+          <p:cNvPr id="2" name="Title 1"/>
           <p:cNvSpPr>
             <a:spLocks noGrp="1"/>
           </p:cNvSpPr>
@@ -336,13 +337,13 @@
               <a:rPr lang="es-ES" smtClean="0"/>
               <a:t>Haga clic para modificar el estilo de título del patrón</a:t>
             </a:r>
-            <a:endParaRPr lang="en-US"/>
-          </a:p>
-        </p:txBody>
-      </p:sp>
-      <p:sp>
-        <p:nvSpPr>
-          <p:cNvPr id="3" name="Marcador de texto vertical 2"/>
+            <a:endParaRPr lang="en-US" dirty="0"/>
+          </a:p>
+        </p:txBody>
+      </p:sp>
+      <p:sp>
+        <p:nvSpPr>
+          <p:cNvPr id="3" name="Vertical Text Placeholder 2"/>
           <p:cNvSpPr>
             <a:spLocks noGrp="1"/>
           </p:cNvSpPr>
@@ -388,13 +389,13 @@
               <a:rPr lang="es-ES" smtClean="0"/>
               <a:t>Quinto nivel</a:t>
             </a:r>
-            <a:endParaRPr lang="en-US"/>
-          </a:p>
-        </p:txBody>
-      </p:sp>
-      <p:sp>
-        <p:nvSpPr>
-          <p:cNvPr id="4" name="Marcador de fecha 3"/>
+            <a:endParaRPr lang="en-US" dirty="0"/>
+          </a:p>
+        </p:txBody>
+      </p:sp>
+      <p:sp>
+        <p:nvSpPr>
+          <p:cNvPr id="4" name="Date Placeholder 3"/>
           <p:cNvSpPr>
             <a:spLocks noGrp="1"/>
           </p:cNvSpPr>
@@ -417,7 +418,7 @@
       </p:sp>
       <p:sp>
         <p:nvSpPr>
-          <p:cNvPr id="5" name="Marcador de pie de página 4"/>
+          <p:cNvPr id="5" name="Footer Placeholder 4"/>
           <p:cNvSpPr>
             <a:spLocks noGrp="1"/>
           </p:cNvSpPr>
@@ -436,7 +437,7 @@
       </p:sp>
       <p:sp>
         <p:nvSpPr>
-          <p:cNvPr id="6" name="Marcador de número de diapositiva 5"/>
+          <p:cNvPr id="6" name="Slide Number Placeholder 5"/>
           <p:cNvSpPr>
             <a:spLocks noGrp="1"/>
           </p:cNvSpPr>
@@ -460,7 +461,7 @@
     </p:spTree>
     <p:extLst>
       <p:ext uri="{BB962C8B-B14F-4D97-AF65-F5344CB8AC3E}">
-        <p14:creationId xmlns:p14="http://schemas.microsoft.com/office/powerpoint/2010/main" val="1965257657"/>
+        <p14:creationId xmlns:p14="http://schemas.microsoft.com/office/powerpoint/2010/main" val="674766958"/>
       </p:ext>
     </p:extLst>
   </p:cSld>
@@ -489,7 +490,7 @@
       </p:grpSpPr>
       <p:sp>
         <p:nvSpPr>
-          <p:cNvPr id="2" name="Título vertical 1"/>
+          <p:cNvPr id="2" name="Vertical Title 1"/>
           <p:cNvSpPr>
             <a:spLocks noGrp="1"/>
           </p:cNvSpPr>
@@ -511,13 +512,13 @@
               <a:rPr lang="es-ES" smtClean="0"/>
               <a:t>Haga clic para modificar el estilo de título del patrón</a:t>
             </a:r>
-            <a:endParaRPr lang="en-US"/>
-          </a:p>
-        </p:txBody>
-      </p:sp>
-      <p:sp>
-        <p:nvSpPr>
-          <p:cNvPr id="3" name="Marcador de texto vertical 2"/>
+            <a:endParaRPr lang="en-US" dirty="0"/>
+          </a:p>
+        </p:txBody>
+      </p:sp>
+      <p:sp>
+        <p:nvSpPr>
+          <p:cNvPr id="3" name="Vertical Text Placeholder 2"/>
           <p:cNvSpPr>
             <a:spLocks noGrp="1"/>
           </p:cNvSpPr>
@@ -568,13 +569,13 @@
               <a:rPr lang="es-ES" smtClean="0"/>
               <a:t>Quinto nivel</a:t>
             </a:r>
-            <a:endParaRPr lang="en-US"/>
-          </a:p>
-        </p:txBody>
-      </p:sp>
-      <p:sp>
-        <p:nvSpPr>
-          <p:cNvPr id="4" name="Marcador de fecha 3"/>
+            <a:endParaRPr lang="en-US" dirty="0"/>
+          </a:p>
+        </p:txBody>
+      </p:sp>
+      <p:sp>
+        <p:nvSpPr>
+          <p:cNvPr id="4" name="Date Placeholder 3"/>
           <p:cNvSpPr>
             <a:spLocks noGrp="1"/>
           </p:cNvSpPr>
@@ -597,7 +598,7 @@
       </p:sp>
       <p:sp>
         <p:nvSpPr>
-          <p:cNvPr id="5" name="Marcador de pie de página 4"/>
+          <p:cNvPr id="5" name="Footer Placeholder 4"/>
           <p:cNvSpPr>
             <a:spLocks noGrp="1"/>
           </p:cNvSpPr>
@@ -616,7 +617,7 @@
       </p:sp>
       <p:sp>
         <p:nvSpPr>
-          <p:cNvPr id="6" name="Marcador de número de diapositiva 5"/>
+          <p:cNvPr id="6" name="Slide Number Placeholder 5"/>
           <p:cNvSpPr>
             <a:spLocks noGrp="1"/>
           </p:cNvSpPr>
@@ -640,7 +641,7 @@
     </p:spTree>
     <p:extLst>
       <p:ext uri="{BB962C8B-B14F-4D97-AF65-F5344CB8AC3E}">
-        <p14:creationId xmlns:p14="http://schemas.microsoft.com/office/powerpoint/2010/main" val="364329996"/>
+        <p14:creationId xmlns:p14="http://schemas.microsoft.com/office/powerpoint/2010/main" val="281738631"/>
       </p:ext>
     </p:extLst>
   </p:cSld>
@@ -669,7 +670,7 @@
       </p:grpSpPr>
       <p:sp>
         <p:nvSpPr>
-          <p:cNvPr id="2" name="Título 1"/>
+          <p:cNvPr id="2" name="Title 1"/>
           <p:cNvSpPr>
             <a:spLocks noGrp="1"/>
           </p:cNvSpPr>
@@ -686,13 +687,13 @@
               <a:rPr lang="es-ES" smtClean="0"/>
               <a:t>Haga clic para modificar el estilo de título del patrón</a:t>
             </a:r>
-            <a:endParaRPr lang="en-US"/>
-          </a:p>
-        </p:txBody>
-      </p:sp>
-      <p:sp>
-        <p:nvSpPr>
-          <p:cNvPr id="3" name="Marcador de contenido 2"/>
+            <a:endParaRPr lang="en-US" dirty="0"/>
+          </a:p>
+        </p:txBody>
+      </p:sp>
+      <p:sp>
+        <p:nvSpPr>
+          <p:cNvPr id="3" name="Content Placeholder 2"/>
           <p:cNvSpPr>
             <a:spLocks noGrp="1"/>
           </p:cNvSpPr>
@@ -738,13 +739,13 @@
               <a:rPr lang="es-ES" smtClean="0"/>
               <a:t>Quinto nivel</a:t>
             </a:r>
-            <a:endParaRPr lang="en-US"/>
-          </a:p>
-        </p:txBody>
-      </p:sp>
-      <p:sp>
-        <p:nvSpPr>
-          <p:cNvPr id="4" name="Marcador de fecha 3"/>
+            <a:endParaRPr lang="en-US" dirty="0"/>
+          </a:p>
+        </p:txBody>
+      </p:sp>
+      <p:sp>
+        <p:nvSpPr>
+          <p:cNvPr id="4" name="Date Placeholder 3"/>
           <p:cNvSpPr>
             <a:spLocks noGrp="1"/>
           </p:cNvSpPr>
@@ -767,7 +768,7 @@
       </p:sp>
       <p:sp>
         <p:nvSpPr>
-          <p:cNvPr id="5" name="Marcador de pie de página 4"/>
+          <p:cNvPr id="5" name="Footer Placeholder 4"/>
           <p:cNvSpPr>
             <a:spLocks noGrp="1"/>
           </p:cNvSpPr>
@@ -786,7 +787,7 @@
       </p:sp>
       <p:sp>
         <p:nvSpPr>
-          <p:cNvPr id="6" name="Marcador de número de diapositiva 5"/>
+          <p:cNvPr id="6" name="Slide Number Placeholder 5"/>
           <p:cNvSpPr>
             <a:spLocks noGrp="1"/>
           </p:cNvSpPr>
@@ -810,7 +811,7 @@
     </p:spTree>
     <p:extLst>
       <p:ext uri="{BB962C8B-B14F-4D97-AF65-F5344CB8AC3E}">
-        <p14:creationId xmlns:p14="http://schemas.microsoft.com/office/powerpoint/2010/main" val="1007115405"/>
+        <p14:creationId xmlns:p14="http://schemas.microsoft.com/office/powerpoint/2010/main" val="285266553"/>
       </p:ext>
     </p:extLst>
   </p:cSld>
@@ -839,7 +840,7 @@
       </p:grpSpPr>
       <p:sp>
         <p:nvSpPr>
-          <p:cNvPr id="2" name="Título 1"/>
+          <p:cNvPr id="2" name="Title 1"/>
           <p:cNvSpPr>
             <a:spLocks noGrp="1"/>
           </p:cNvSpPr>
@@ -865,13 +866,13 @@
               <a:rPr lang="es-ES" smtClean="0"/>
               <a:t>Haga clic para modificar el estilo de título del patrón</a:t>
             </a:r>
-            <a:endParaRPr lang="en-US"/>
-          </a:p>
-        </p:txBody>
-      </p:sp>
-      <p:sp>
-        <p:nvSpPr>
-          <p:cNvPr id="3" name="Marcador de texto 2"/>
+            <a:endParaRPr lang="en-US" dirty="0"/>
+          </a:p>
+        </p:txBody>
+      </p:sp>
+      <p:sp>
+        <p:nvSpPr>
+          <p:cNvPr id="3" name="Text Placeholder 2"/>
           <p:cNvSpPr>
             <a:spLocks noGrp="1"/>
           </p:cNvSpPr>
@@ -990,7 +991,7 @@
       </p:sp>
       <p:sp>
         <p:nvSpPr>
-          <p:cNvPr id="4" name="Marcador de fecha 3"/>
+          <p:cNvPr id="4" name="Date Placeholder 3"/>
           <p:cNvSpPr>
             <a:spLocks noGrp="1"/>
           </p:cNvSpPr>
@@ -1013,7 +1014,7 @@
       </p:sp>
       <p:sp>
         <p:nvSpPr>
-          <p:cNvPr id="5" name="Marcador de pie de página 4"/>
+          <p:cNvPr id="5" name="Footer Placeholder 4"/>
           <p:cNvSpPr>
             <a:spLocks noGrp="1"/>
           </p:cNvSpPr>
@@ -1032,7 +1033,7 @@
       </p:sp>
       <p:sp>
         <p:nvSpPr>
-          <p:cNvPr id="6" name="Marcador de número de diapositiva 5"/>
+          <p:cNvPr id="6" name="Slide Number Placeholder 5"/>
           <p:cNvSpPr>
             <a:spLocks noGrp="1"/>
           </p:cNvSpPr>
@@ -1056,7 +1057,7 @@
     </p:spTree>
     <p:extLst>
       <p:ext uri="{BB962C8B-B14F-4D97-AF65-F5344CB8AC3E}">
-        <p14:creationId xmlns:p14="http://schemas.microsoft.com/office/powerpoint/2010/main" val="41137588"/>
+        <p14:creationId xmlns:p14="http://schemas.microsoft.com/office/powerpoint/2010/main" val="1087059649"/>
       </p:ext>
     </p:extLst>
   </p:cSld>
@@ -1085,7 +1086,7 @@
       </p:grpSpPr>
       <p:sp>
         <p:nvSpPr>
-          <p:cNvPr id="2" name="Título 1"/>
+          <p:cNvPr id="2" name="Title 1"/>
           <p:cNvSpPr>
             <a:spLocks noGrp="1"/>
           </p:cNvSpPr>
@@ -1102,13 +1103,13 @@
               <a:rPr lang="es-ES" smtClean="0"/>
               <a:t>Haga clic para modificar el estilo de título del patrón</a:t>
             </a:r>
-            <a:endParaRPr lang="en-US"/>
-          </a:p>
-        </p:txBody>
-      </p:sp>
-      <p:sp>
-        <p:nvSpPr>
-          <p:cNvPr id="3" name="Marcador de contenido 2"/>
+            <a:endParaRPr lang="en-US" dirty="0"/>
+          </a:p>
+        </p:txBody>
+      </p:sp>
+      <p:sp>
+        <p:nvSpPr>
+          <p:cNvPr id="3" name="Content Placeholder 2"/>
           <p:cNvSpPr>
             <a:spLocks noGrp="1"/>
           </p:cNvSpPr>
@@ -1159,13 +1160,13 @@
               <a:rPr lang="es-ES" smtClean="0"/>
               <a:t>Quinto nivel</a:t>
             </a:r>
-            <a:endParaRPr lang="en-US"/>
-          </a:p>
-        </p:txBody>
-      </p:sp>
-      <p:sp>
-        <p:nvSpPr>
-          <p:cNvPr id="4" name="Marcador de contenido 3"/>
+            <a:endParaRPr lang="en-US" dirty="0"/>
+          </a:p>
+        </p:txBody>
+      </p:sp>
+      <p:sp>
+        <p:nvSpPr>
+          <p:cNvPr id="4" name="Content Placeholder 3"/>
           <p:cNvSpPr>
             <a:spLocks noGrp="1"/>
           </p:cNvSpPr>
@@ -1216,13 +1217,13 @@
               <a:rPr lang="es-ES" smtClean="0"/>
               <a:t>Quinto nivel</a:t>
             </a:r>
-            <a:endParaRPr lang="en-US"/>
-          </a:p>
-        </p:txBody>
-      </p:sp>
-      <p:sp>
-        <p:nvSpPr>
-          <p:cNvPr id="5" name="Marcador de fecha 4"/>
+            <a:endParaRPr lang="en-US" dirty="0"/>
+          </a:p>
+        </p:txBody>
+      </p:sp>
+      <p:sp>
+        <p:nvSpPr>
+          <p:cNvPr id="5" name="Date Placeholder 4"/>
           <p:cNvSpPr>
             <a:spLocks noGrp="1"/>
           </p:cNvSpPr>
@@ -1245,7 +1246,7 @@
       </p:sp>
       <p:sp>
         <p:nvSpPr>
-          <p:cNvPr id="6" name="Marcador de pie de página 5"/>
+          <p:cNvPr id="6" name="Footer Placeholder 5"/>
           <p:cNvSpPr>
             <a:spLocks noGrp="1"/>
           </p:cNvSpPr>
@@ -1264,7 +1265,7 @@
       </p:sp>
       <p:sp>
         <p:nvSpPr>
-          <p:cNvPr id="7" name="Marcador de número de diapositiva 6"/>
+          <p:cNvPr id="7" name="Slide Number Placeholder 6"/>
           <p:cNvSpPr>
             <a:spLocks noGrp="1"/>
           </p:cNvSpPr>
@@ -1288,7 +1289,7 @@
     </p:spTree>
     <p:extLst>
       <p:ext uri="{BB962C8B-B14F-4D97-AF65-F5344CB8AC3E}">
-        <p14:creationId xmlns:p14="http://schemas.microsoft.com/office/powerpoint/2010/main" val="345613941"/>
+        <p14:creationId xmlns:p14="http://schemas.microsoft.com/office/powerpoint/2010/main" val="820610606"/>
       </p:ext>
     </p:extLst>
   </p:cSld>
@@ -1317,7 +1318,7 @@
       </p:grpSpPr>
       <p:sp>
         <p:nvSpPr>
-          <p:cNvPr id="2" name="Título 1"/>
+          <p:cNvPr id="2" name="Title 1"/>
           <p:cNvSpPr>
             <a:spLocks noGrp="1"/>
           </p:cNvSpPr>
@@ -1339,13 +1340,13 @@
               <a:rPr lang="es-ES" smtClean="0"/>
               <a:t>Haga clic para modificar el estilo de título del patrón</a:t>
             </a:r>
-            <a:endParaRPr lang="en-US"/>
-          </a:p>
-        </p:txBody>
-      </p:sp>
-      <p:sp>
-        <p:nvSpPr>
-          <p:cNvPr id="3" name="Marcador de texto 2"/>
+            <a:endParaRPr lang="en-US" dirty="0"/>
+          </a:p>
+        </p:txBody>
+      </p:sp>
+      <p:sp>
+        <p:nvSpPr>
+          <p:cNvPr id="3" name="Text Placeholder 2"/>
           <p:cNvSpPr>
             <a:spLocks noGrp="1"/>
           </p:cNvSpPr>
@@ -1410,7 +1411,7 @@
       </p:sp>
       <p:sp>
         <p:nvSpPr>
-          <p:cNvPr id="4" name="Marcador de contenido 3"/>
+          <p:cNvPr id="4" name="Content Placeholder 3"/>
           <p:cNvSpPr>
             <a:spLocks noGrp="1"/>
           </p:cNvSpPr>
@@ -1461,13 +1462,13 @@
               <a:rPr lang="es-ES" smtClean="0"/>
               <a:t>Quinto nivel</a:t>
             </a:r>
-            <a:endParaRPr lang="en-US"/>
-          </a:p>
-        </p:txBody>
-      </p:sp>
-      <p:sp>
-        <p:nvSpPr>
-          <p:cNvPr id="5" name="Marcador de texto 4"/>
+            <a:endParaRPr lang="en-US" dirty="0"/>
+          </a:p>
+        </p:txBody>
+      </p:sp>
+      <p:sp>
+        <p:nvSpPr>
+          <p:cNvPr id="5" name="Text Placeholder 4"/>
           <p:cNvSpPr>
             <a:spLocks noGrp="1"/>
           </p:cNvSpPr>
@@ -1532,7 +1533,7 @@
       </p:sp>
       <p:sp>
         <p:nvSpPr>
-          <p:cNvPr id="6" name="Marcador de contenido 5"/>
+          <p:cNvPr id="6" name="Content Placeholder 5"/>
           <p:cNvSpPr>
             <a:spLocks noGrp="1"/>
           </p:cNvSpPr>
@@ -1583,13 +1584,13 @@
               <a:rPr lang="es-ES" smtClean="0"/>
               <a:t>Quinto nivel</a:t>
             </a:r>
-            <a:endParaRPr lang="en-US"/>
-          </a:p>
-        </p:txBody>
-      </p:sp>
-      <p:sp>
-        <p:nvSpPr>
-          <p:cNvPr id="7" name="Marcador de fecha 6"/>
+            <a:endParaRPr lang="en-US" dirty="0"/>
+          </a:p>
+        </p:txBody>
+      </p:sp>
+      <p:sp>
+        <p:nvSpPr>
+          <p:cNvPr id="7" name="Date Placeholder 6"/>
           <p:cNvSpPr>
             <a:spLocks noGrp="1"/>
           </p:cNvSpPr>
@@ -1612,7 +1613,7 @@
       </p:sp>
       <p:sp>
         <p:nvSpPr>
-          <p:cNvPr id="8" name="Marcador de pie de página 7"/>
+          <p:cNvPr id="8" name="Footer Placeholder 7"/>
           <p:cNvSpPr>
             <a:spLocks noGrp="1"/>
           </p:cNvSpPr>
@@ -1631,7 +1632,7 @@
       </p:sp>
       <p:sp>
         <p:nvSpPr>
-          <p:cNvPr id="9" name="Marcador de número de diapositiva 8"/>
+          <p:cNvPr id="9" name="Slide Number Placeholder 8"/>
           <p:cNvSpPr>
             <a:spLocks noGrp="1"/>
           </p:cNvSpPr>
@@ -1655,7 +1656,7 @@
     </p:spTree>
     <p:extLst>
       <p:ext uri="{BB962C8B-B14F-4D97-AF65-F5344CB8AC3E}">
-        <p14:creationId xmlns:p14="http://schemas.microsoft.com/office/powerpoint/2010/main" val="457056077"/>
+        <p14:creationId xmlns:p14="http://schemas.microsoft.com/office/powerpoint/2010/main" val="221706992"/>
       </p:ext>
     </p:extLst>
   </p:cSld>
@@ -1684,7 +1685,7 @@
       </p:grpSpPr>
       <p:sp>
         <p:nvSpPr>
-          <p:cNvPr id="2" name="Título 1"/>
+          <p:cNvPr id="2" name="Title 1"/>
           <p:cNvSpPr>
             <a:spLocks noGrp="1"/>
           </p:cNvSpPr>
@@ -1701,13 +1702,13 @@
               <a:rPr lang="es-ES" smtClean="0"/>
               <a:t>Haga clic para modificar el estilo de título del patrón</a:t>
             </a:r>
-            <a:endParaRPr lang="en-US"/>
-          </a:p>
-        </p:txBody>
-      </p:sp>
-      <p:sp>
-        <p:nvSpPr>
-          <p:cNvPr id="3" name="Marcador de fecha 2"/>
+            <a:endParaRPr lang="en-US" dirty="0"/>
+          </a:p>
+        </p:txBody>
+      </p:sp>
+      <p:sp>
+        <p:nvSpPr>
+          <p:cNvPr id="3" name="Date Placeholder 2"/>
           <p:cNvSpPr>
             <a:spLocks noGrp="1"/>
           </p:cNvSpPr>
@@ -1730,7 +1731,7 @@
       </p:sp>
       <p:sp>
         <p:nvSpPr>
-          <p:cNvPr id="4" name="Marcador de pie de página 3"/>
+          <p:cNvPr id="4" name="Footer Placeholder 3"/>
           <p:cNvSpPr>
             <a:spLocks noGrp="1"/>
           </p:cNvSpPr>
@@ -1749,7 +1750,7 @@
       </p:sp>
       <p:sp>
         <p:nvSpPr>
-          <p:cNvPr id="5" name="Marcador de número de diapositiva 4"/>
+          <p:cNvPr id="5" name="Slide Number Placeholder 4"/>
           <p:cNvSpPr>
             <a:spLocks noGrp="1"/>
           </p:cNvSpPr>
@@ -1773,7 +1774,7 @@
     </p:spTree>
     <p:extLst>
       <p:ext uri="{BB962C8B-B14F-4D97-AF65-F5344CB8AC3E}">
-        <p14:creationId xmlns:p14="http://schemas.microsoft.com/office/powerpoint/2010/main" val="3258869791"/>
+        <p14:creationId xmlns:p14="http://schemas.microsoft.com/office/powerpoint/2010/main" val="2450659482"/>
       </p:ext>
     </p:extLst>
   </p:cSld>
@@ -1802,7 +1803,7 @@
       </p:grpSpPr>
       <p:sp>
         <p:nvSpPr>
-          <p:cNvPr id="2" name="Marcador de fecha 1"/>
+          <p:cNvPr id="2" name="Date Placeholder 1"/>
           <p:cNvSpPr>
             <a:spLocks noGrp="1"/>
           </p:cNvSpPr>
@@ -1825,7 +1826,7 @@
       </p:sp>
       <p:sp>
         <p:nvSpPr>
-          <p:cNvPr id="3" name="Marcador de pie de página 2"/>
+          <p:cNvPr id="3" name="Footer Placeholder 2"/>
           <p:cNvSpPr>
             <a:spLocks noGrp="1"/>
           </p:cNvSpPr>
@@ -1844,7 +1845,7 @@
       </p:sp>
       <p:sp>
         <p:nvSpPr>
-          <p:cNvPr id="4" name="Marcador de número de diapositiva 3"/>
+          <p:cNvPr id="4" name="Slide Number Placeholder 3"/>
           <p:cNvSpPr>
             <a:spLocks noGrp="1"/>
           </p:cNvSpPr>
@@ -1868,7 +1869,7 @@
     </p:spTree>
     <p:extLst>
       <p:ext uri="{BB962C8B-B14F-4D97-AF65-F5344CB8AC3E}">
-        <p14:creationId xmlns:p14="http://schemas.microsoft.com/office/powerpoint/2010/main" val="680391811"/>
+        <p14:creationId xmlns:p14="http://schemas.microsoft.com/office/powerpoint/2010/main" val="1091745604"/>
       </p:ext>
     </p:extLst>
   </p:cSld>
@@ -1897,7 +1898,7 @@
       </p:grpSpPr>
       <p:sp>
         <p:nvSpPr>
-          <p:cNvPr id="2" name="Título 1"/>
+          <p:cNvPr id="2" name="Title 1"/>
           <p:cNvSpPr>
             <a:spLocks noGrp="1"/>
           </p:cNvSpPr>
@@ -1923,13 +1924,13 @@
               <a:rPr lang="es-ES" smtClean="0"/>
               <a:t>Haga clic para modificar el estilo de título del patrón</a:t>
             </a:r>
-            <a:endParaRPr lang="en-US"/>
-          </a:p>
-        </p:txBody>
-      </p:sp>
-      <p:sp>
-        <p:nvSpPr>
-          <p:cNvPr id="3" name="Marcador de contenido 2"/>
+            <a:endParaRPr lang="en-US" dirty="0"/>
+          </a:p>
+        </p:txBody>
+      </p:sp>
+      <p:sp>
+        <p:nvSpPr>
+          <p:cNvPr id="3" name="Content Placeholder 2"/>
           <p:cNvSpPr>
             <a:spLocks noGrp="1"/>
           </p:cNvSpPr>
@@ -2008,13 +2009,13 @@
               <a:rPr lang="es-ES" smtClean="0"/>
               <a:t>Quinto nivel</a:t>
             </a:r>
-            <a:endParaRPr lang="en-US"/>
-          </a:p>
-        </p:txBody>
-      </p:sp>
-      <p:sp>
-        <p:nvSpPr>
-          <p:cNvPr id="4" name="Marcador de texto 3"/>
+            <a:endParaRPr lang="en-US" dirty="0"/>
+          </a:p>
+        </p:txBody>
+      </p:sp>
+      <p:sp>
+        <p:nvSpPr>
+          <p:cNvPr id="4" name="Text Placeholder 3"/>
           <p:cNvSpPr>
             <a:spLocks noGrp="1"/>
           </p:cNvSpPr>
@@ -2079,7 +2080,7 @@
       </p:sp>
       <p:sp>
         <p:nvSpPr>
-          <p:cNvPr id="5" name="Marcador de fecha 4"/>
+          <p:cNvPr id="5" name="Date Placeholder 4"/>
           <p:cNvSpPr>
             <a:spLocks noGrp="1"/>
           </p:cNvSpPr>
@@ -2102,7 +2103,7 @@
       </p:sp>
       <p:sp>
         <p:nvSpPr>
-          <p:cNvPr id="6" name="Marcador de pie de página 5"/>
+          <p:cNvPr id="6" name="Footer Placeholder 5"/>
           <p:cNvSpPr>
             <a:spLocks noGrp="1"/>
           </p:cNvSpPr>
@@ -2121,7 +2122,7 @@
       </p:sp>
       <p:sp>
         <p:nvSpPr>
-          <p:cNvPr id="7" name="Marcador de número de diapositiva 6"/>
+          <p:cNvPr id="7" name="Slide Number Placeholder 6"/>
           <p:cNvSpPr>
             <a:spLocks noGrp="1"/>
           </p:cNvSpPr>
@@ -2145,7 +2146,7 @@
     </p:spTree>
     <p:extLst>
       <p:ext uri="{BB962C8B-B14F-4D97-AF65-F5344CB8AC3E}">
-        <p14:creationId xmlns:p14="http://schemas.microsoft.com/office/powerpoint/2010/main" val="1537273888"/>
+        <p14:creationId xmlns:p14="http://schemas.microsoft.com/office/powerpoint/2010/main" val="3345346193"/>
       </p:ext>
     </p:extLst>
   </p:cSld>
@@ -2174,7 +2175,7 @@
       </p:grpSpPr>
       <p:sp>
         <p:nvSpPr>
-          <p:cNvPr id="2" name="Título 1"/>
+          <p:cNvPr id="2" name="Title 1"/>
           <p:cNvSpPr>
             <a:spLocks noGrp="1"/>
           </p:cNvSpPr>
@@ -2200,15 +2201,15 @@
               <a:rPr lang="es-ES" smtClean="0"/>
               <a:t>Haga clic para modificar el estilo de título del patrón</a:t>
             </a:r>
-            <a:endParaRPr lang="en-US"/>
-          </a:p>
-        </p:txBody>
-      </p:sp>
-      <p:sp>
-        <p:nvSpPr>
-          <p:cNvPr id="3" name="Marcador de posición de imagen 2"/>
-          <p:cNvSpPr>
-            <a:spLocks noGrp="1"/>
+            <a:endParaRPr lang="en-US" dirty="0"/>
+          </a:p>
+        </p:txBody>
+      </p:sp>
+      <p:sp>
+        <p:nvSpPr>
+          <p:cNvPr id="3" name="Picture Placeholder 2"/>
+          <p:cNvSpPr>
+            <a:spLocks noGrp="1" noChangeAspect="1"/>
           </p:cNvSpPr>
           <p:nvPr>
             <p:ph type="pic" idx="1"/>
@@ -2221,7 +2222,7 @@
           </a:xfrm>
         </p:spPr>
         <p:txBody>
-          <a:bodyPr/>
+          <a:bodyPr anchor="t"/>
           <a:lstStyle>
             <a:lvl1pPr marL="0" indent="0">
               <a:buNone/>
@@ -2261,13 +2262,17 @@
             </a:lvl9pPr>
           </a:lstStyle>
           <a:p>
-            <a:endParaRPr lang="en-US"/>
-          </a:p>
-        </p:txBody>
-      </p:sp>
-      <p:sp>
-        <p:nvSpPr>
-          <p:cNvPr id="4" name="Marcador de texto 3"/>
+            <a:r>
+              <a:rPr lang="es-ES" smtClean="0"/>
+              <a:t>Haga clic en el icono para agregar una imagen</a:t>
+            </a:r>
+            <a:endParaRPr lang="en-US" dirty="0"/>
+          </a:p>
+        </p:txBody>
+      </p:sp>
+      <p:sp>
+        <p:nvSpPr>
+          <p:cNvPr id="4" name="Text Placeholder 3"/>
           <p:cNvSpPr>
             <a:spLocks noGrp="1"/>
           </p:cNvSpPr>
@@ -2332,7 +2337,7 @@
       </p:sp>
       <p:sp>
         <p:nvSpPr>
-          <p:cNvPr id="5" name="Marcador de fecha 4"/>
+          <p:cNvPr id="5" name="Date Placeholder 4"/>
           <p:cNvSpPr>
             <a:spLocks noGrp="1"/>
           </p:cNvSpPr>
@@ -2355,7 +2360,7 @@
       </p:sp>
       <p:sp>
         <p:nvSpPr>
-          <p:cNvPr id="6" name="Marcador de pie de página 5"/>
+          <p:cNvPr id="6" name="Footer Placeholder 5"/>
           <p:cNvSpPr>
             <a:spLocks noGrp="1"/>
           </p:cNvSpPr>
@@ -2374,7 +2379,7 @@
       </p:sp>
       <p:sp>
         <p:nvSpPr>
-          <p:cNvPr id="7" name="Marcador de número de diapositiva 6"/>
+          <p:cNvPr id="7" name="Slide Number Placeholder 6"/>
           <p:cNvSpPr>
             <a:spLocks noGrp="1"/>
           </p:cNvSpPr>
@@ -2398,7 +2403,7 @@
     </p:spTree>
     <p:extLst>
       <p:ext uri="{BB962C8B-B14F-4D97-AF65-F5344CB8AC3E}">
-        <p14:creationId xmlns:p14="http://schemas.microsoft.com/office/powerpoint/2010/main" val="3622718901"/>
+        <p14:creationId xmlns:p14="http://schemas.microsoft.com/office/powerpoint/2010/main" val="3914946914"/>
       </p:ext>
     </p:extLst>
   </p:cSld>
@@ -2432,7 +2437,7 @@
       </p:grpSpPr>
       <p:sp>
         <p:nvSpPr>
-          <p:cNvPr id="2" name="Marcador de título 1"/>
+          <p:cNvPr id="2" name="Title Placeholder 1"/>
           <p:cNvSpPr>
             <a:spLocks noGrp="1"/>
           </p:cNvSpPr>
@@ -2459,13 +2464,13 @@
               <a:rPr lang="es-ES" smtClean="0"/>
               <a:t>Haga clic para modificar el estilo de título del patrón</a:t>
             </a:r>
-            <a:endParaRPr lang="en-US"/>
-          </a:p>
-        </p:txBody>
-      </p:sp>
-      <p:sp>
-        <p:nvSpPr>
-          <p:cNvPr id="3" name="Marcador de texto 2"/>
+            <a:endParaRPr lang="en-US" dirty="0"/>
+          </a:p>
+        </p:txBody>
+      </p:sp>
+      <p:sp>
+        <p:nvSpPr>
+          <p:cNvPr id="3" name="Text Placeholder 2"/>
           <p:cNvSpPr>
             <a:spLocks noGrp="1"/>
           </p:cNvSpPr>
@@ -2521,13 +2526,13 @@
               <a:rPr lang="es-ES" smtClean="0"/>
               <a:t>Quinto nivel</a:t>
             </a:r>
-            <a:endParaRPr lang="en-US"/>
-          </a:p>
-        </p:txBody>
-      </p:sp>
-      <p:sp>
-        <p:nvSpPr>
-          <p:cNvPr id="4" name="Marcador de fecha 3"/>
+            <a:endParaRPr lang="en-US" dirty="0"/>
+          </a:p>
+        </p:txBody>
+      </p:sp>
+      <p:sp>
+        <p:nvSpPr>
+          <p:cNvPr id="4" name="Date Placeholder 3"/>
           <p:cNvSpPr>
             <a:spLocks noGrp="1"/>
           </p:cNvSpPr>
@@ -2568,7 +2573,7 @@
       </p:sp>
       <p:sp>
         <p:nvSpPr>
-          <p:cNvPr id="5" name="Marcador de pie de página 4"/>
+          <p:cNvPr id="5" name="Footer Placeholder 4"/>
           <p:cNvSpPr>
             <a:spLocks noGrp="1"/>
           </p:cNvSpPr>
@@ -2605,7 +2610,7 @@
       </p:sp>
       <p:sp>
         <p:nvSpPr>
-          <p:cNvPr id="6" name="Marcador de número de diapositiva 5"/>
+          <p:cNvPr id="6" name="Slide Number Placeholder 5"/>
           <p:cNvSpPr>
             <a:spLocks noGrp="1"/>
           </p:cNvSpPr>
@@ -2647,23 +2652,23 @@
     </p:spTree>
     <p:extLst>
       <p:ext uri="{BB962C8B-B14F-4D97-AF65-F5344CB8AC3E}">
-        <p14:creationId xmlns:p14="http://schemas.microsoft.com/office/powerpoint/2010/main" val="2958544175"/>
+        <p14:creationId xmlns:p14="http://schemas.microsoft.com/office/powerpoint/2010/main" val="200528048"/>
       </p:ext>
     </p:extLst>
   </p:cSld>
   <p:clrMap bg1="lt1" tx1="dk1" bg2="lt2" tx2="dk2" accent1="accent1" accent2="accent2" accent3="accent3" accent4="accent4" accent5="accent5" accent6="accent6" hlink="hlink" folHlink="folHlink"/>
   <p:sldLayoutIdLst>
-    <p:sldLayoutId id="2147483649" r:id="rId1"/>
-    <p:sldLayoutId id="2147483650" r:id="rId2"/>
-    <p:sldLayoutId id="2147483651" r:id="rId3"/>
-    <p:sldLayoutId id="2147483652" r:id="rId4"/>
-    <p:sldLayoutId id="2147483653" r:id="rId5"/>
-    <p:sldLayoutId id="2147483654" r:id="rId6"/>
-    <p:sldLayoutId id="2147483655" r:id="rId7"/>
-    <p:sldLayoutId id="2147483656" r:id="rId8"/>
-    <p:sldLayoutId id="2147483657" r:id="rId9"/>
-    <p:sldLayoutId id="2147483658" r:id="rId10"/>
-    <p:sldLayoutId id="2147483659" r:id="rId11"/>
+    <p:sldLayoutId id="2147483744" r:id="rId1"/>
+    <p:sldLayoutId id="2147483745" r:id="rId2"/>
+    <p:sldLayoutId id="2147483746" r:id="rId3"/>
+    <p:sldLayoutId id="2147483747" r:id="rId4"/>
+    <p:sldLayoutId id="2147483748" r:id="rId5"/>
+    <p:sldLayoutId id="2147483749" r:id="rId6"/>
+    <p:sldLayoutId id="2147483750" r:id="rId7"/>
+    <p:sldLayoutId id="2147483751" r:id="rId8"/>
+    <p:sldLayoutId id="2147483752" r:id="rId9"/>
+    <p:sldLayoutId id="2147483753" r:id="rId10"/>
+    <p:sldLayoutId id="2147483754" r:id="rId11"/>
   </p:sldLayoutIdLst>
   <p:txStyles>
     <p:titleStyle>
@@ -2951,6 +2956,20 @@
 <file path=ppt/slides/slide1.xml><?xml version="1.0" encoding="utf-8"?>
 <p:sld xmlns:a="http://schemas.openxmlformats.org/drawingml/2006/main" xmlns:r="http://schemas.openxmlformats.org/officeDocument/2006/relationships" xmlns:p="http://schemas.openxmlformats.org/presentationml/2006/main">
   <p:cSld>
+    <p:bg>
+      <p:bgPr>
+        <a:blipFill dpi="0" rotWithShape="1">
+          <a:blip r:embed="rId2">
+            <a:lum/>
+          </a:blip>
+          <a:srcRect/>
+          <a:stretch>
+            <a:fillRect t="-8000" b="-8000"/>
+          </a:stretch>
+        </a:blipFill>
+        <a:effectLst/>
+      </p:bgPr>
+    </p:bg>
     <p:spTree>
       <p:nvGrpSpPr>
         <p:cNvPr id="1" name=""/>
@@ -2980,6 +2999,13 @@
             <a:off x="1524000" y="1122363"/>
             <a:ext cx="9144000" cy="4286764"/>
           </a:xfrm>
+          <a:effectLst>
+            <a:outerShdw blurRad="190500" dist="114300" dir="2700000" algn="tl" rotWithShape="0">
+              <a:prstClr val="black">
+                <a:alpha val="62000"/>
+              </a:prstClr>
+            </a:outerShdw>
+          </a:effectLst>
         </p:spPr>
         <p:txBody>
           <a:bodyPr>
@@ -2989,29 +3015,44 @@
           <a:p>
             <a:r>
               <a:rPr lang="en-US" sz="9600" b="1" dirty="0" err="1" smtClean="0">
+                <a:solidFill>
+                  <a:schemeClr val="bg1"/>
+                </a:solidFill>
                 <a:latin typeface="Myriad Pro" panose="020B0503030403020204" pitchFamily="34" charset="0"/>
               </a:rPr>
               <a:t>Visualizando</a:t>
             </a:r>
             <a:r>
               <a:rPr lang="en-US" sz="9600" b="1" dirty="0" smtClean="0">
+                <a:solidFill>
+                  <a:schemeClr val="bg1"/>
+                </a:solidFill>
                 <a:latin typeface="Myriad Pro" panose="020B0503030403020204" pitchFamily="34" charset="0"/>
               </a:rPr>
               <a:t> </a:t>
             </a:r>
             <a:r>
               <a:rPr lang="en-US" sz="9600" b="1" dirty="0" err="1" smtClean="0">
+                <a:solidFill>
+                  <a:schemeClr val="bg1"/>
+                </a:solidFill>
                 <a:latin typeface="Myriad Pro" panose="020B0503030403020204" pitchFamily="34" charset="0"/>
               </a:rPr>
               <a:t>Modelos</a:t>
             </a:r>
             <a:r>
               <a:rPr lang="en-US" sz="9600" b="1" dirty="0" smtClean="0">
+                <a:solidFill>
+                  <a:schemeClr val="bg1"/>
+                </a:solidFill>
                 <a:latin typeface="Myriad Pro" panose="020B0503030403020204" pitchFamily="34" charset="0"/>
               </a:rPr>
-              <a:t> 3D con Angular.</a:t>
+              <a:t> 3D con Angular</a:t>
             </a:r>
             <a:endParaRPr lang="en-US" sz="9600" b="1" dirty="0">
+              <a:solidFill>
+                <a:schemeClr val="bg1"/>
+              </a:solidFill>
               <a:latin typeface="Myriad Pro" panose="020B0503030403020204" pitchFamily="34" charset="0"/>
             </a:endParaRPr>
           </a:p>
@@ -3034,7 +3075,9 @@
           </a:xfrm>
         </p:spPr>
         <p:txBody>
-          <a:bodyPr/>
+          <a:bodyPr>
+            <a:normAutofit/>
+          </a:bodyPr>
           <a:lstStyle/>
           <a:p>
             <a:r>
@@ -3059,12 +3102,33 @@
   <p:clrMapOvr>
     <a:masterClrMapping/>
   </p:clrMapOvr>
+  <p:timing>
+    <p:tnLst>
+      <p:par>
+        <p:cTn id="1" dur="indefinite" restart="never" nodeType="tmRoot"/>
+      </p:par>
+    </p:tnLst>
+  </p:timing>
 </p:sld>
 </file>
 
 <file path=ppt/slides/slide2.xml><?xml version="1.0" encoding="utf-8"?>
 <p:sld xmlns:a="http://schemas.openxmlformats.org/drawingml/2006/main" xmlns:r="http://schemas.openxmlformats.org/officeDocument/2006/relationships" xmlns:p="http://schemas.openxmlformats.org/presentationml/2006/main">
   <p:cSld>
+    <p:bg>
+      <p:bgPr>
+        <a:blipFill dpi="0" rotWithShape="1">
+          <a:blip r:embed="rId2">
+            <a:lum/>
+          </a:blip>
+          <a:srcRect/>
+          <a:stretch>
+            <a:fillRect t="-8000" b="-8000"/>
+          </a:stretch>
+        </a:blipFill>
+        <a:effectLst/>
+      </p:bgPr>
+    </p:bg>
     <p:spTree>
       <p:nvGrpSpPr>
         <p:cNvPr id="1" name=""/>
@@ -3089,12 +3153,50 @@
             <p:ph type="title"/>
           </p:nvPr>
         </p:nvSpPr>
-        <p:spPr/>
-        <p:txBody>
-          <a:bodyPr/>
-          <a:lstStyle/>
-          <a:p>
-            <a:endParaRPr lang="en-US"/>
+        <p:spPr>
+          <a:xfrm>
+            <a:off x="106680" y="106045"/>
+            <a:ext cx="11978640" cy="1325563"/>
+          </a:xfrm>
+          <a:effectLst>
+            <a:outerShdw blurRad="215900" dist="38100" dir="2700000" algn="tl" rotWithShape="0">
+              <a:prstClr val="black">
+                <a:alpha val="80000"/>
+              </a:prstClr>
+            </a:outerShdw>
+          </a:effectLst>
+        </p:spPr>
+        <p:txBody>
+          <a:bodyPr>
+            <a:normAutofit/>
+          </a:bodyPr>
+          <a:lstStyle/>
+          <a:p>
+            <a:pPr algn="ctr"/>
+            <a:r>
+              <a:rPr lang="en-US" sz="8000" b="1" dirty="0" err="1" smtClean="0">
+                <a:solidFill>
+                  <a:schemeClr val="bg1"/>
+                </a:solidFill>
+                <a:latin typeface="Myriad Pro" panose="020B0503030403020204" pitchFamily="34" charset="0"/>
+              </a:rPr>
+              <a:t>Acerca</a:t>
+            </a:r>
+            <a:r>
+              <a:rPr lang="en-US" sz="8000" b="1" dirty="0" smtClean="0">
+                <a:solidFill>
+                  <a:schemeClr val="bg1"/>
+                </a:solidFill>
+                <a:latin typeface="Myriad Pro" panose="020B0503030403020204" pitchFamily="34" charset="0"/>
+              </a:rPr>
+              <a:t> de mi…</a:t>
+            </a:r>
+            <a:endParaRPr lang="en-US" sz="8000" b="1" dirty="0">
+              <a:solidFill>
+                <a:schemeClr val="bg1"/>
+              </a:solidFill>
+              <a:latin typeface="Myriad Pro" panose="020B0503030403020204" pitchFamily="34" charset="0"/>
+            </a:endParaRPr>
           </a:p>
         </p:txBody>
       </p:sp>
@@ -3108,12 +3210,185 @@
             <p:ph idx="1"/>
           </p:nvPr>
         </p:nvSpPr>
-        <p:spPr/>
-        <p:txBody>
-          <a:bodyPr/>
-          <a:lstStyle/>
-          <a:p>
-            <a:endParaRPr lang="en-US"/>
+        <p:spPr>
+          <a:xfrm>
+            <a:off x="106680" y="1584960"/>
+            <a:ext cx="11978640" cy="5135879"/>
+          </a:xfrm>
+          <a:effectLst>
+            <a:outerShdw blurRad="76200" dist="38100" dir="2700000" algn="tl" rotWithShape="0">
+              <a:prstClr val="black">
+                <a:alpha val="98000"/>
+              </a:prstClr>
+            </a:outerShdw>
+          </a:effectLst>
+        </p:spPr>
+        <p:txBody>
+          <a:bodyPr>
+            <a:normAutofit lnSpcReduction="10000"/>
+          </a:bodyPr>
+          <a:lstStyle/>
+          <a:p>
+            <a:pPr algn="ctr"/>
+            <a:endParaRPr lang="es-ES" sz="4000" b="1" dirty="0" smtClean="0">
+              <a:solidFill>
+                <a:schemeClr val="bg1"/>
+              </a:solidFill>
+            </a:endParaRPr>
+          </a:p>
+          <a:p>
+            <a:pPr algn="ctr"/>
+            <a:endParaRPr lang="es-ES" sz="4000" b="1" dirty="0">
+              <a:solidFill>
+                <a:schemeClr val="bg1"/>
+              </a:solidFill>
+            </a:endParaRPr>
+          </a:p>
+          <a:p>
+            <a:pPr algn="ctr"/>
+            <a:endParaRPr lang="en-US" sz="4000" b="1" dirty="0" smtClean="0">
+              <a:solidFill>
+                <a:schemeClr val="bg1"/>
+              </a:solidFill>
+            </a:endParaRPr>
+          </a:p>
+          <a:p>
+            <a:pPr algn="ctr"/>
+            <a:r>
+              <a:rPr lang="en-US" sz="4000" b="1" dirty="0" smtClean="0">
+                <a:solidFill>
+                  <a:schemeClr val="bg1"/>
+                </a:solidFill>
+              </a:rPr>
+              <a:t>Ivo Rojas.</a:t>
+            </a:r>
+          </a:p>
+          <a:p>
+            <a:pPr algn="ctr"/>
+            <a:r>
+              <a:rPr lang="en-US" sz="2000" b="1" dirty="0" smtClean="0">
+                <a:solidFill>
+                  <a:schemeClr val="bg1"/>
+                </a:solidFill>
+              </a:rPr>
+              <a:t>Universidad Mayor de San </a:t>
+            </a:r>
+            <a:r>
+              <a:rPr lang="en-US" sz="2000" b="1" dirty="0" err="1" smtClean="0">
+                <a:solidFill>
+                  <a:schemeClr val="bg1"/>
+                </a:solidFill>
+              </a:rPr>
+              <a:t>Simón</a:t>
+            </a:r>
+            <a:r>
+              <a:rPr lang="en-US" sz="2000" b="1" dirty="0" smtClean="0">
+                <a:solidFill>
+                  <a:schemeClr val="bg1"/>
+                </a:solidFill>
+              </a:rPr>
+              <a:t>.</a:t>
+            </a:r>
+          </a:p>
+          <a:p>
+            <a:pPr algn="ctr"/>
+            <a:r>
+              <a:rPr lang="en-US" sz="2000" b="1" dirty="0" smtClean="0">
+                <a:solidFill>
+                  <a:schemeClr val="bg1"/>
+                </a:solidFill>
+              </a:rPr>
+              <a:t>Global Insight Software SRL.</a:t>
+            </a:r>
+          </a:p>
+          <a:p>
+            <a:pPr algn="ctr"/>
+            <a:r>
+              <a:rPr lang="en-US" sz="2000" b="1" dirty="0">
+                <a:solidFill>
+                  <a:schemeClr val="bg1"/>
+                </a:solidFill>
+              </a:rPr>
+              <a:t>Front-End D</a:t>
+            </a:r>
+            <a:r>
+              <a:rPr lang="en-US" sz="2000" b="1" dirty="0" smtClean="0">
+                <a:solidFill>
+                  <a:schemeClr val="bg1"/>
+                </a:solidFill>
+              </a:rPr>
+              <a:t>eveloper</a:t>
+            </a:r>
+            <a:r>
+              <a:rPr lang="en-US" sz="2000" b="1" dirty="0">
+                <a:solidFill>
+                  <a:schemeClr val="bg1"/>
+                </a:solidFill>
+              </a:rPr>
+              <a:t>.</a:t>
+            </a:r>
+          </a:p>
+          <a:p>
+            <a:pPr algn="ctr"/>
+            <a:r>
+              <a:rPr lang="en-US" sz="4000" b="1" dirty="0" smtClean="0">
+                <a:solidFill>
+                  <a:schemeClr val="bg1"/>
+                </a:solidFill>
+              </a:rPr>
+              <a:t>Twitter: @</a:t>
+            </a:r>
+            <a:r>
+              <a:rPr lang="en-US" sz="4000" b="1" dirty="0" err="1" smtClean="0">
+                <a:solidFill>
+                  <a:schemeClr val="bg1"/>
+                </a:solidFill>
+              </a:rPr>
+              <a:t>ircube</a:t>
+            </a:r>
+            <a:r>
+              <a:rPr lang="en-US" sz="4000" b="1" dirty="0" smtClean="0">
+                <a:solidFill>
+                  <a:schemeClr val="bg1"/>
+                </a:solidFill>
+              </a:rPr>
+              <a:t>.</a:t>
+            </a:r>
+          </a:p>
+          <a:p>
+            <a:pPr algn="ctr"/>
+            <a:r>
+              <a:rPr lang="en-US" sz="4000" b="1" dirty="0" err="1" smtClean="0">
+                <a:solidFill>
+                  <a:schemeClr val="bg1"/>
+                </a:solidFill>
+              </a:rPr>
+              <a:t>Github</a:t>
+            </a:r>
+            <a:r>
+              <a:rPr lang="en-US" sz="4000" b="1" dirty="0" smtClean="0">
+                <a:solidFill>
+                  <a:schemeClr val="bg1"/>
+                </a:solidFill>
+              </a:rPr>
+              <a:t>: </a:t>
+            </a:r>
+            <a:r>
+              <a:rPr lang="en-US" sz="4000" b="1" dirty="0" err="1" smtClean="0">
+                <a:solidFill>
+                  <a:schemeClr val="bg1"/>
+                </a:solidFill>
+              </a:rPr>
+              <a:t>ircube</a:t>
+            </a:r>
+            <a:r>
+              <a:rPr lang="en-US" sz="4000" b="1" dirty="0" smtClean="0">
+                <a:solidFill>
+                  <a:schemeClr val="bg1"/>
+                </a:solidFill>
+              </a:rPr>
+              <a:t>.</a:t>
+            </a:r>
           </a:p>
         </p:txBody>
       </p:sp>
@@ -3127,13 +3402,258 @@
   <p:clrMapOvr>
     <a:masterClrMapping/>
   </p:clrMapOvr>
+  <p:timing>
+    <p:tnLst>
+      <p:par>
+        <p:cTn id="1" dur="indefinite" restart="never" nodeType="tmRoot"/>
+      </p:par>
+    </p:tnLst>
+  </p:timing>
+</p:sld>
+</file>
+
+<file path=ppt/slides/slide3.xml><?xml version="1.0" encoding="utf-8"?>
+<p:sld xmlns:a="http://schemas.openxmlformats.org/drawingml/2006/main" xmlns:r="http://schemas.openxmlformats.org/officeDocument/2006/relationships" xmlns:p="http://schemas.openxmlformats.org/presentationml/2006/main">
+  <p:cSld>
+    <p:bg>
+      <p:bgPr>
+        <a:blipFill dpi="0" rotWithShape="1">
+          <a:blip r:embed="rId2">
+            <a:lum/>
+          </a:blip>
+          <a:srcRect/>
+          <a:stretch>
+            <a:fillRect t="-8000" b="-8000"/>
+          </a:stretch>
+        </a:blipFill>
+        <a:effectLst/>
+      </p:bgPr>
+    </p:bg>
+    <p:spTree>
+      <p:nvGrpSpPr>
+        <p:cNvPr id="1" name=""/>
+        <p:cNvGrpSpPr/>
+        <p:nvPr/>
+      </p:nvGrpSpPr>
+      <p:grpSpPr>
+        <a:xfrm>
+          <a:off x="0" y="0"/>
+          <a:ext cx="0" cy="0"/>
+          <a:chOff x="0" y="0"/>
+          <a:chExt cx="0" cy="0"/>
+        </a:xfrm>
+      </p:grpSpPr>
+      <p:sp>
+        <p:nvSpPr>
+          <p:cNvPr id="2" name="Título 1"/>
+          <p:cNvSpPr>
+            <a:spLocks noGrp="1"/>
+          </p:cNvSpPr>
+          <p:nvPr>
+            <p:ph type="title"/>
+          </p:nvPr>
+        </p:nvSpPr>
+        <p:spPr>
+          <a:xfrm>
+            <a:off x="106680" y="106045"/>
+            <a:ext cx="11978640" cy="1325563"/>
+          </a:xfrm>
+          <a:effectLst>
+            <a:outerShdw blurRad="215900" dist="38100" dir="2700000" algn="tl" rotWithShape="0">
+              <a:prstClr val="black">
+                <a:alpha val="80000"/>
+              </a:prstClr>
+            </a:outerShdw>
+          </a:effectLst>
+        </p:spPr>
+        <p:txBody>
+          <a:bodyPr>
+            <a:normAutofit/>
+          </a:bodyPr>
+          <a:lstStyle/>
+          <a:p>
+            <a:pPr algn="ctr"/>
+            <a:r>
+              <a:rPr lang="en-US" sz="8000" b="1" dirty="0" err="1" smtClean="0">
+                <a:solidFill>
+                  <a:schemeClr val="bg1"/>
+                </a:solidFill>
+                <a:latin typeface="Myriad Pro" panose="020B0503030403020204" pitchFamily="34" charset="0"/>
+              </a:rPr>
+              <a:t>Contenido</a:t>
+            </a:r>
+            <a:endParaRPr lang="en-US" sz="8000" b="1" dirty="0">
+              <a:solidFill>
+                <a:schemeClr val="bg1"/>
+              </a:solidFill>
+              <a:latin typeface="Myriad Pro" panose="020B0503030403020204" pitchFamily="34" charset="0"/>
+            </a:endParaRPr>
+          </a:p>
+        </p:txBody>
+      </p:sp>
+      <p:sp>
+        <p:nvSpPr>
+          <p:cNvPr id="3" name="Marcador de contenido 2"/>
+          <p:cNvSpPr>
+            <a:spLocks noGrp="1"/>
+          </p:cNvSpPr>
+          <p:nvPr>
+            <p:ph idx="1"/>
+          </p:nvPr>
+        </p:nvSpPr>
+        <p:spPr>
+          <a:xfrm>
+            <a:off x="106680" y="1584960"/>
+            <a:ext cx="11978640" cy="5135879"/>
+          </a:xfrm>
+          <a:effectLst>
+            <a:outerShdw blurRad="177800" dist="38100" dir="2700000" algn="tl" rotWithShape="0">
+              <a:prstClr val="black">
+                <a:alpha val="94000"/>
+              </a:prstClr>
+            </a:outerShdw>
+          </a:effectLst>
+        </p:spPr>
+        <p:txBody>
+          <a:bodyPr>
+            <a:normAutofit lnSpcReduction="10000"/>
+          </a:bodyPr>
+          <a:lstStyle/>
+          <a:p>
+            <a:pPr algn="ctr"/>
+            <a:endParaRPr lang="en-US" sz="4000" b="1" dirty="0" smtClean="0">
+              <a:solidFill>
+                <a:schemeClr val="bg1"/>
+              </a:solidFill>
+            </a:endParaRPr>
+          </a:p>
+          <a:p>
+            <a:pPr algn="ctr"/>
+            <a:r>
+              <a:rPr lang="en-US" sz="4000" b="1" dirty="0" err="1" smtClean="0">
+                <a:solidFill>
+                  <a:schemeClr val="bg1"/>
+                </a:solidFill>
+              </a:rPr>
+              <a:t>Componentes</a:t>
+            </a:r>
+            <a:r>
+              <a:rPr lang="en-US" sz="4000" b="1" dirty="0" smtClean="0">
+                <a:solidFill>
+                  <a:schemeClr val="bg1"/>
+                </a:solidFill>
+              </a:rPr>
+              <a:t> con Angular</a:t>
+            </a:r>
+          </a:p>
+          <a:p>
+            <a:pPr algn="ctr"/>
+            <a:endParaRPr lang="en-US" sz="4000" b="1" dirty="0" smtClean="0">
+              <a:solidFill>
+                <a:schemeClr val="bg1"/>
+              </a:solidFill>
+            </a:endParaRPr>
+          </a:p>
+          <a:p>
+            <a:pPr algn="ctr"/>
+            <a:r>
+              <a:rPr lang="en-US" sz="4000" b="1" dirty="0">
+                <a:solidFill>
+                  <a:schemeClr val="bg1"/>
+                </a:solidFill>
+              </a:rPr>
+              <a:t>Typescript.</a:t>
+            </a:r>
+            <a:br>
+              <a:rPr lang="en-US" sz="4000" b="1" dirty="0">
+                <a:solidFill>
+                  <a:schemeClr val="bg1"/>
+                </a:solidFill>
+              </a:rPr>
+            </a:br>
+            <a:endParaRPr lang="en-US" sz="4000" b="1" dirty="0">
+              <a:solidFill>
+                <a:schemeClr val="bg1"/>
+              </a:solidFill>
+            </a:endParaRPr>
+          </a:p>
+          <a:p>
+            <a:pPr algn="ctr"/>
+            <a:r>
+              <a:rPr lang="en-US" sz="4000" b="1" dirty="0" smtClean="0">
+                <a:solidFill>
+                  <a:schemeClr val="bg1"/>
+                </a:solidFill>
+              </a:rPr>
+              <a:t>Three.js y </a:t>
+            </a:r>
+            <a:r>
+              <a:rPr lang="en-US" sz="4000" b="1" dirty="0" err="1" smtClean="0">
+                <a:solidFill>
+                  <a:schemeClr val="bg1"/>
+                </a:solidFill>
+              </a:rPr>
+              <a:t>webGL</a:t>
+            </a:r>
+            <a:r>
+              <a:rPr lang="en-US" sz="4000" b="1" dirty="0" smtClean="0">
+                <a:solidFill>
+                  <a:schemeClr val="bg1"/>
+                </a:solidFill>
+              </a:rPr>
+              <a:t>.</a:t>
+            </a:r>
+          </a:p>
+          <a:p>
+            <a:pPr algn="ctr"/>
+            <a:endParaRPr lang="en-US" sz="4000" b="1" dirty="0" smtClean="0">
+              <a:solidFill>
+                <a:schemeClr val="bg1"/>
+              </a:solidFill>
+            </a:endParaRPr>
+          </a:p>
+          <a:p>
+            <a:pPr algn="ctr"/>
+            <a:r>
+              <a:rPr lang="en-US" sz="4000" b="1" dirty="0" smtClean="0">
+                <a:solidFill>
+                  <a:schemeClr val="bg1"/>
+                </a:solidFill>
+              </a:rPr>
+              <a:t>Demo.</a:t>
+            </a:r>
+            <a:endParaRPr lang="en-US" sz="4000" b="1" dirty="0">
+              <a:solidFill>
+                <a:schemeClr val="bg1"/>
+              </a:solidFill>
+            </a:endParaRPr>
+          </a:p>
+        </p:txBody>
+      </p:sp>
+    </p:spTree>
+    <p:extLst>
+      <p:ext uri="{BB962C8B-B14F-4D97-AF65-F5344CB8AC3E}">
+        <p14:creationId xmlns:p14="http://schemas.microsoft.com/office/powerpoint/2010/main" val="3408344192"/>
+      </p:ext>
+    </p:extLst>
+  </p:cSld>
+  <p:clrMapOvr>
+    <a:masterClrMapping/>
+  </p:clrMapOvr>
+  <p:timing>
+    <p:tnLst>
+      <p:par>
+        <p:cTn id="1" dur="indefinite" restart="never" nodeType="tmRoot"/>
+      </p:par>
+    </p:tnLst>
+  </p:timing>
 </p:sld>
 </file>
 
 <file path=ppt/theme/theme1.xml><?xml version="1.0" encoding="utf-8"?>
-<a:theme xmlns:a="http://schemas.openxmlformats.org/drawingml/2006/main" name="Tema de Office">
+<a:theme xmlns:a="http://schemas.openxmlformats.org/drawingml/2006/main" name="Office Theme">
   <a:themeElements>
-    <a:clrScheme name="Office">
+    <a:clrScheme name="Personalizado 1">
       <a:dk1>
         <a:sysClr val="windowText" lastClr="000000"/>
       </a:dk1>
@@ -3141,109 +3661,49 @@
         <a:sysClr val="window" lastClr="FFFFFF"/>
       </a:lt1>
       <a:dk2>
-        <a:srgbClr val="44546A"/>
+        <a:srgbClr val="FFFFFF"/>
       </a:dk2>
       <a:lt2>
-        <a:srgbClr val="E7E6E6"/>
+        <a:srgbClr val="EEECE1"/>
       </a:lt2>
       <a:accent1>
-        <a:srgbClr val="5B9BD5"/>
+        <a:srgbClr val="4F81BD"/>
       </a:accent1>
       <a:accent2>
-        <a:srgbClr val="ED7D31"/>
+        <a:srgbClr val="C0504D"/>
       </a:accent2>
       <a:accent3>
-        <a:srgbClr val="A5A5A5"/>
+        <a:srgbClr val="9BBB59"/>
       </a:accent3>
       <a:accent4>
-        <a:srgbClr val="FFC000"/>
+        <a:srgbClr val="8064A2"/>
       </a:accent4>
       <a:accent5>
-        <a:srgbClr val="4472C4"/>
+        <a:srgbClr val="4BACC6"/>
       </a:accent5>
       <a:accent6>
-        <a:srgbClr val="70AD47"/>
+        <a:srgbClr val="F79646"/>
       </a:accent6>
       <a:hlink>
-        <a:srgbClr val="0563C1"/>
+        <a:srgbClr val="0000FF"/>
       </a:hlink>
       <a:folHlink>
-        <a:srgbClr val="954F72"/>
+        <a:srgbClr val="800080"/>
       </a:folHlink>
     </a:clrScheme>
-    <a:fontScheme name="Office">
+    <a:fontScheme name="Myriad">
       <a:majorFont>
-        <a:latin typeface="Calibri Light" panose="020F0302020204030204"/>
+        <a:latin typeface="Myriad Pro"/>
         <a:ea typeface=""/>
         <a:cs typeface=""/>
-        <a:font script="Jpan" typeface="ＭＳ Ｐゴシック"/>
-        <a:font script="Hang" typeface="맑은 고딕"/>
-        <a:font script="Hans" typeface="宋体"/>
-        <a:font script="Hant" typeface="新細明體"/>
-        <a:font script="Arab" typeface="Times New Roman"/>
-        <a:font script="Hebr" typeface="Times New Roman"/>
-        <a:font script="Thai" typeface="Angsana New"/>
-        <a:font script="Ethi" typeface="Nyala"/>
-        <a:font script="Beng" typeface="Vrinda"/>
-        <a:font script="Gujr" typeface="Shruti"/>
-        <a:font script="Khmr" typeface="MoolBoran"/>
-        <a:font script="Knda" typeface="Tunga"/>
-        <a:font script="Guru" typeface="Raavi"/>
-        <a:font script="Cans" typeface="Euphemia"/>
-        <a:font script="Cher" typeface="Plantagenet Cherokee"/>
-        <a:font script="Yiii" typeface="Microsoft Yi Baiti"/>
-        <a:font script="Tibt" typeface="Microsoft Himalaya"/>
-        <a:font script="Thaa" typeface="MV Boli"/>
-        <a:font script="Deva" typeface="Mangal"/>
-        <a:font script="Telu" typeface="Gautami"/>
-        <a:font script="Taml" typeface="Latha"/>
-        <a:font script="Syrc" typeface="Estrangelo Edessa"/>
-        <a:font script="Orya" typeface="Kalinga"/>
-        <a:font script="Mlym" typeface="Kartika"/>
-        <a:font script="Laoo" typeface="DokChampa"/>
-        <a:font script="Sinh" typeface="Iskoola Pota"/>
-        <a:font script="Mong" typeface="Mongolian Baiti"/>
-        <a:font script="Viet" typeface="Times New Roman"/>
-        <a:font script="Uigh" typeface="Microsoft Uighur"/>
-        <a:font script="Geor" typeface="Sylfaen"/>
       </a:majorFont>
       <a:minorFont>
-        <a:latin typeface="Calibri" panose="020F0502020204030204"/>
+        <a:latin typeface="Myriad Pro"/>
         <a:ea typeface=""/>
         <a:cs typeface=""/>
-        <a:font script="Jpan" typeface="ＭＳ Ｐゴシック"/>
-        <a:font script="Hang" typeface="맑은 고딕"/>
-        <a:font script="Hans" typeface="宋体"/>
-        <a:font script="Hant" typeface="新細明體"/>
-        <a:font script="Arab" typeface="Arial"/>
-        <a:font script="Hebr" typeface="Arial"/>
-        <a:font script="Thai" typeface="Cordia New"/>
-        <a:font script="Ethi" typeface="Nyala"/>
-        <a:font script="Beng" typeface="Vrinda"/>
-        <a:font script="Gujr" typeface="Shruti"/>
-        <a:font script="Khmr" typeface="DaunPenh"/>
-        <a:font script="Knda" typeface="Tunga"/>
-        <a:font script="Guru" typeface="Raavi"/>
-        <a:font script="Cans" typeface="Euphemia"/>
-        <a:font script="Cher" typeface="Plantagenet Cherokee"/>
-        <a:font script="Yiii" typeface="Microsoft Yi Baiti"/>
-        <a:font script="Tibt" typeface="Microsoft Himalaya"/>
-        <a:font script="Thaa" typeface="MV Boli"/>
-        <a:font script="Deva" typeface="Mangal"/>
-        <a:font script="Telu" typeface="Gautami"/>
-        <a:font script="Taml" typeface="Latha"/>
-        <a:font script="Syrc" typeface="Estrangelo Edessa"/>
-        <a:font script="Orya" typeface="Kalinga"/>
-        <a:font script="Mlym" typeface="Kartika"/>
-        <a:font script="Laoo" typeface="DokChampa"/>
-        <a:font script="Sinh" typeface="Iskoola Pota"/>
-        <a:font script="Mong" typeface="Mongolian Baiti"/>
-        <a:font script="Viet" typeface="Arial"/>
-        <a:font script="Uigh" typeface="Microsoft Uighur"/>
-        <a:font script="Geor" typeface="Sylfaen"/>
       </a:minorFont>
     </a:fontScheme>
-    <a:fmtScheme name="Office">
+    <a:fmtScheme name="Tema de Office">
       <a:fillStyleLst>
         <a:solidFill>
           <a:schemeClr val="phClr"/>
